--- a/Serie2/Optimistic Data Replication.pptx
+++ b/Serie2/Optimistic Data Replication.pptx
@@ -748,7 +748,7 @@
         <p:nvSpPr>
           <p:cNvPr id="18435" name="Rectangle 1"/>
           <p:cNvSpPr txBox="1">
-            <a:spLocks noChangeArrowheads="1" noTextEdit="1"/>
+            <a:spLocks noGrp="1" noRot="1" noChangeAspect="1" noChangeArrowheads="1" noTextEdit="1"/>
           </p:cNvSpPr>
           <p:nvPr>
             <p:ph type="sldImg"/>
@@ -776,7 +776,7 @@
         <p:nvSpPr>
           <p:cNvPr id="18436" name="Rectangle 2"/>
           <p:cNvSpPr txBox="1">
-            <a:spLocks noChangeArrowheads="1"/>
+            <a:spLocks noGrp="1" noChangeArrowheads="1"/>
           </p:cNvSpPr>
           <p:nvPr>
             <p:ph type="body" idx="1"/>
@@ -1103,7 +1103,7 @@
         <p:nvSpPr>
           <p:cNvPr id="19459" name="Rectangle 1"/>
           <p:cNvSpPr txBox="1">
-            <a:spLocks noChangeArrowheads="1" noTextEdit="1"/>
+            <a:spLocks noGrp="1" noRot="1" noChangeAspect="1" noChangeArrowheads="1" noTextEdit="1"/>
           </p:cNvSpPr>
           <p:nvPr>
             <p:ph type="sldImg"/>
@@ -1131,7 +1131,7 @@
         <p:nvSpPr>
           <p:cNvPr id="19460" name="Rectangle 2"/>
           <p:cNvSpPr txBox="1">
-            <a:spLocks noChangeArrowheads="1"/>
+            <a:spLocks noGrp="1" noChangeArrowheads="1"/>
           </p:cNvSpPr>
           <p:nvPr>
             <p:ph type="body" idx="1"/>
@@ -1805,7 +1805,7 @@
           <a:p>
             <a:fld id="{A2F52FA4-4CB1-4679-B4DE-1BE13D44C3A1}" type="datetimeFigureOut">
               <a:rPr lang="pt-PT" smtClean="0"/>
-              <a:t>13-06-2012</a:t>
+              <a:t>14-06-2012</a:t>
             </a:fld>
             <a:endParaRPr lang="pt-PT"/>
           </a:p>
@@ -2001,7 +2001,7 @@
           <a:p>
             <a:fld id="{A2F52FA4-4CB1-4679-B4DE-1BE13D44C3A1}" type="datetimeFigureOut">
               <a:rPr lang="pt-PT" smtClean="0"/>
-              <a:t>13-06-2012</a:t>
+              <a:t>14-06-2012</a:t>
             </a:fld>
             <a:endParaRPr lang="pt-PT"/>
           </a:p>
@@ -2186,7 +2186,7 @@
           <a:p>
             <a:fld id="{A2F52FA4-4CB1-4679-B4DE-1BE13D44C3A1}" type="datetimeFigureOut">
               <a:rPr lang="pt-PT" smtClean="0"/>
-              <a:t>13-06-2012</a:t>
+              <a:t>14-06-2012</a:t>
             </a:fld>
             <a:endParaRPr lang="pt-PT"/>
           </a:p>
@@ -2336,7 +2336,7 @@
           <a:p>
             <a:fld id="{A2F52FA4-4CB1-4679-B4DE-1BE13D44C3A1}" type="datetimeFigureOut">
               <a:rPr lang="pt-PT" smtClean="0"/>
-              <a:t>13-06-2012</a:t>
+              <a:t>14-06-2012</a:t>
             </a:fld>
             <a:endParaRPr lang="pt-PT"/>
           </a:p>
@@ -2591,7 +2591,7 @@
           <a:p>
             <a:fld id="{A2F52FA4-4CB1-4679-B4DE-1BE13D44C3A1}" type="datetimeFigureOut">
               <a:rPr lang="pt-PT" smtClean="0"/>
-              <a:t>13-06-2012</a:t>
+              <a:t>14-06-2012</a:t>
             </a:fld>
             <a:endParaRPr lang="pt-PT"/>
           </a:p>
@@ -3000,7 +3000,7 @@
           <a:p>
             <a:fld id="{A2F52FA4-4CB1-4679-B4DE-1BE13D44C3A1}" type="datetimeFigureOut">
               <a:rPr lang="pt-PT" smtClean="0"/>
-              <a:t>13-06-2012</a:t>
+              <a:t>14-06-2012</a:t>
             </a:fld>
             <a:endParaRPr lang="pt-PT"/>
           </a:p>
@@ -3446,7 +3446,7 @@
           <a:p>
             <a:fld id="{A2F52FA4-4CB1-4679-B4DE-1BE13D44C3A1}" type="datetimeFigureOut">
               <a:rPr lang="pt-PT" smtClean="0"/>
-              <a:t>13-06-2012</a:t>
+              <a:t>14-06-2012</a:t>
             </a:fld>
             <a:endParaRPr lang="pt-PT"/>
           </a:p>
@@ -3547,7 +3547,7 @@
           <a:p>
             <a:fld id="{A2F52FA4-4CB1-4679-B4DE-1BE13D44C3A1}" type="datetimeFigureOut">
               <a:rPr lang="pt-PT" smtClean="0"/>
-              <a:t>13-06-2012</a:t>
+              <a:t>14-06-2012</a:t>
             </a:fld>
             <a:endParaRPr lang="pt-PT"/>
           </a:p>
@@ -3668,7 +3668,7 @@
           <a:p>
             <a:fld id="{A2F52FA4-4CB1-4679-B4DE-1BE13D44C3A1}" type="datetimeFigureOut">
               <a:rPr lang="pt-PT" smtClean="0"/>
-              <a:t>13-06-2012</a:t>
+              <a:t>14-06-2012</a:t>
             </a:fld>
             <a:endParaRPr lang="pt-PT"/>
           </a:p>
@@ -3942,7 +3942,7 @@
           <a:p>
             <a:fld id="{A2F52FA4-4CB1-4679-B4DE-1BE13D44C3A1}" type="datetimeFigureOut">
               <a:rPr lang="pt-PT" smtClean="0"/>
-              <a:t>13-06-2012</a:t>
+              <a:t>14-06-2012</a:t>
             </a:fld>
             <a:endParaRPr lang="pt-PT"/>
           </a:p>
@@ -4147,7 +4147,7 @@
           <a:p>
             <a:fld id="{A2F52FA4-4CB1-4679-B4DE-1BE13D44C3A1}" type="datetimeFigureOut">
               <a:rPr lang="pt-PT" smtClean="0"/>
-              <a:t>13-06-2012</a:t>
+              <a:t>14-06-2012</a:t>
             </a:fld>
             <a:endParaRPr lang="pt-PT"/>
           </a:p>
@@ -5256,7 +5256,7 @@
           <a:p>
             <a:fld id="{A2F52FA4-4CB1-4679-B4DE-1BE13D44C3A1}" type="datetimeFigureOut">
               <a:rPr lang="pt-PT" smtClean="0"/>
-              <a:t>13-06-2012</a:t>
+              <a:t>14-06-2012</a:t>
             </a:fld>
             <a:endParaRPr lang="pt-PT"/>
           </a:p>
@@ -5696,12 +5696,35 @@
             <p:ph type="subTitle" idx="1"/>
           </p:nvPr>
         </p:nvSpPr>
-        <p:spPr/>
-        <p:txBody>
-          <a:bodyPr/>
+        <p:spPr>
+          <a:xfrm>
+            <a:off x="755576" y="4077072"/>
+            <a:ext cx="7772400" cy="1199704"/>
+          </a:xfrm>
+        </p:spPr>
+        <p:txBody>
+          <a:bodyPr>
+            <a:normAutofit fontScale="92500" lnSpcReduction="20000"/>
+          </a:bodyPr>
           <a:lstStyle/>
           <a:p>
-            <a:endParaRPr lang="pt-PT"/>
+            <a:r>
+              <a:rPr lang="pt-PT" dirty="0" smtClean="0"/>
+              <a:t>João Pires – 31933</a:t>
+            </a:r>
+          </a:p>
+          <a:p>
+            <a:r>
+              <a:rPr lang="pt-PT" dirty="0" smtClean="0"/>
+              <a:t>António Dente – 33168</a:t>
+            </a:r>
+          </a:p>
+          <a:p>
+            <a:r>
+              <a:rPr lang="pt-PT" dirty="0" smtClean="0"/>
+              <a:t>José Casimiro - 32713</a:t>
+            </a:r>
+            <a:endParaRPr lang="pt-PT" dirty="0"/>
           </a:p>
         </p:txBody>
       </p:sp>
@@ -6377,7 +6400,7 @@
   <p:timing>
     <p:tnLst>
       <p:par>
-        <p:cTn id="1" dur="indefinite" nodeType="tmRoot">
+        <p:cTn id="1" dur="indefinite" restart="never" nodeType="tmRoot">
           <p:childTnLst>
             <p:seq concurrent="1" nextAc="seek">
               <p:cTn id="2" dur="0" nodeType="mainSeq"/>
@@ -7252,7 +7275,7 @@
   <p:timing>
     <p:tnLst>
       <p:par>
-        <p:cTn id="1" dur="indefinite" nodeType="tmRoot">
+        <p:cTn id="1" dur="indefinite" restart="never" nodeType="tmRoot">
           <p:childTnLst>
             <p:seq concurrent="1" nextAc="seek">
               <p:cTn id="2" dur="0" nodeType="mainSeq"/>
@@ -7911,7 +7934,6 @@
               <a:rPr lang="pt-PT" dirty="0" smtClean="0"/>
               <a:t>”</a:t>
             </a:r>
-            <a:endParaRPr lang="pt-PT" dirty="0" smtClean="0"/>
           </a:p>
           <a:p>
             <a:pPr lvl="1"/>
@@ -7927,7 +7949,6 @@
               <a:rPr lang="pt-PT" dirty="0" smtClean="0"/>
               <a:t>;</a:t>
             </a:r>
-            <a:endParaRPr lang="pt-PT" dirty="0" smtClean="0"/>
           </a:p>
           <a:p>
             <a:pPr lvl="1"/>
@@ -8019,7 +8040,6 @@
               <a:rPr lang="pt-PT" dirty="0" smtClean="0"/>
               <a:t>Relógios plausíveis;</a:t>
             </a:r>
-            <a:endParaRPr lang="pt-PT" dirty="0" smtClean="0"/>
           </a:p>
           <a:p>
             <a:pPr lvl="1"/>
